--- a/paper/本番資料.pptx
+++ b/paper/本番資料.pptx
@@ -270,7 +270,7 @@
       </p15:sldGuideLst>
     </p:ext>
     <p:ext uri="http://customooxmlschemas.google.com/">
-      <go:slidesCustomData xmlns:go="http://customooxmlschemas.google.com/" xmlns:ahyp="http://schemas.microsoft.com/office/drawing/2018/hyperlinkcolor" xmlns:p15="http://schemas.microsoft.com/office/powerpoint/2012/main" xmlns:p14="http://schemas.microsoft.com/office/powerpoint/2010/main" xmlns:com="http://schemas.openxmlformats.org/drawingml/2006/compatibility" xmlns:pvml="urn:schemas-microsoft-com:office:powerpoint" xmlns:v="urn:schemas-microsoft-com:vml" xmlns:o="urn:schemas-microsoft-com:office:office" xmlns:dgm="http://schemas.openxmlformats.org/drawingml/2006/diagram" xmlns:c="http://schemas.openxmlformats.org/drawingml/2006/chart" xmlns:mv="urn:schemas-microsoft-com:mac:vml" xmlns:mc="http://schemas.openxmlformats.org/markup-compatibility/2006" xmlns="" r:id="rId22" roundtripDataSignature="AMtx7mgEu1p9sgn8IGi48pvqxlRtZ9fKiQ=="/>
+      <go:slidesCustomData xmlns="" xmlns:mc="http://schemas.openxmlformats.org/markup-compatibility/2006" xmlns:mv="urn:schemas-microsoft-com:mac:vml" xmlns:c="http://schemas.openxmlformats.org/drawingml/2006/chart" xmlns:dgm="http://schemas.openxmlformats.org/drawingml/2006/diagram" xmlns:o="urn:schemas-microsoft-com:office:office" xmlns:v="urn:schemas-microsoft-com:vml" xmlns:pvml="urn:schemas-microsoft-com:office:powerpoint" xmlns:com="http://schemas.openxmlformats.org/drawingml/2006/compatibility" xmlns:p14="http://schemas.microsoft.com/office/powerpoint/2010/main" xmlns:p15="http://schemas.microsoft.com/office/powerpoint/2012/main" xmlns:ahyp="http://schemas.microsoft.com/office/drawing/2018/hyperlinkcolor" xmlns:go="http://customooxmlschemas.google.com/" r:id="rId22" roundtripDataSignature="AMtx7mgEu1p9sgn8IGi48pvqxlRtZ9fKiQ=="/>
     </p:ext>
   </p:extLst>
 </p:presentation>
@@ -22563,10 +22563,10 @@
               <a:buNone/>
             </a:pPr>
             <a:r>
-              <a:rPr lang="ja" sz="2800"/>
+              <a:rPr lang="ja" sz="2800" dirty="0"/>
               <a:t>S+を取り巻く現状</a:t>
             </a:r>
-            <a:endParaRPr sz="2800"/>
+            <a:endParaRPr sz="2800" dirty="0"/>
           </a:p>
         </p:txBody>
       </p:sp>
@@ -22681,7 +22681,23 @@
                   <a:srgbClr val="000000"/>
                 </a:solidFill>
               </a:rPr>
-              <a:t>(step3)の結び目のリスト</a:t>
+              <a:t>(step3)の</a:t>
+            </a:r>
+            <a:r>
+              <a:rPr lang="ja-JP" altLang="en-US" sz="1600" dirty="0">
+                <a:solidFill>
+                  <a:srgbClr val="000000"/>
+                </a:solidFill>
+              </a:rPr>
+              <a:t>交代</a:t>
+            </a:r>
+            <a:r>
+              <a:rPr lang="ja" sz="1600" dirty="0">
+                <a:solidFill>
+                  <a:srgbClr val="000000"/>
+                </a:solidFill>
+              </a:rPr>
+              <a:t>結び目のリスト</a:t>
             </a:r>
             <a:endParaRPr sz="1600" dirty="0">
               <a:solidFill>

--- a/paper/本番資料.pptx
+++ b/paper/本番資料.pptx
@@ -9,8 +9,8 @@
   </p:notesMasterIdLst>
   <p:sldIdLst>
     <p:sldId id="256" r:id="rId2"/>
-    <p:sldId id="258" r:id="rId3"/>
-    <p:sldId id="259" r:id="rId4"/>
+    <p:sldId id="259" r:id="rId3"/>
+    <p:sldId id="258" r:id="rId4"/>
     <p:sldId id="260" r:id="rId5"/>
     <p:sldId id="261" r:id="rId6"/>
     <p:sldId id="262" r:id="rId7"/>
@@ -270,7 +270,7 @@
       </p15:sldGuideLst>
     </p:ext>
     <p:ext uri="http://customooxmlschemas.google.com/">
-      <go:slidesCustomData xmlns="" xmlns:mc="http://schemas.openxmlformats.org/markup-compatibility/2006" xmlns:mv="urn:schemas-microsoft-com:mac:vml" xmlns:c="http://schemas.openxmlformats.org/drawingml/2006/chart" xmlns:dgm="http://schemas.openxmlformats.org/drawingml/2006/diagram" xmlns:o="urn:schemas-microsoft-com:office:office" xmlns:v="urn:schemas-microsoft-com:vml" xmlns:pvml="urn:schemas-microsoft-com:office:powerpoint" xmlns:com="http://schemas.openxmlformats.org/drawingml/2006/compatibility" xmlns:p14="http://schemas.microsoft.com/office/powerpoint/2010/main" xmlns:p15="http://schemas.microsoft.com/office/powerpoint/2012/main" xmlns:ahyp="http://schemas.microsoft.com/office/drawing/2018/hyperlinkcolor" xmlns:go="http://customooxmlschemas.google.com/" r:id="rId22" roundtripDataSignature="AMtx7mgEu1p9sgn8IGi48pvqxlRtZ9fKiQ=="/>
+      <go:slidesCustomData xmlns:go="http://customooxmlschemas.google.com/" xmlns:ahyp="http://schemas.microsoft.com/office/drawing/2018/hyperlinkcolor" xmlns:p15="http://schemas.microsoft.com/office/powerpoint/2012/main" xmlns:p14="http://schemas.microsoft.com/office/powerpoint/2010/main" xmlns:com="http://schemas.openxmlformats.org/drawingml/2006/compatibility" xmlns:pvml="urn:schemas-microsoft-com:office:powerpoint" xmlns:v="urn:schemas-microsoft-com:vml" xmlns:o="urn:schemas-microsoft-com:office:office" xmlns:dgm="http://schemas.openxmlformats.org/drawingml/2006/diagram" xmlns:c="http://schemas.openxmlformats.org/drawingml/2006/chart" xmlns:mv="urn:schemas-microsoft-com:mac:vml" xmlns:mc="http://schemas.openxmlformats.org/markup-compatibility/2006" xmlns="" r:id="rId22" roundtripDataSignature="AMtx7mgEu1p9sgn8IGi48pvqxlRtZ9fKiQ=="/>
     </p:ext>
   </p:extLst>
 </p:presentation>
@@ -1554,6 +1554,128 @@
   <p:cSld>
     <p:spTree>
       <p:nvGrpSpPr>
+        <p:cNvPr id="1" name="Shape 163"/>
+        <p:cNvGrpSpPr/>
+        <p:nvPr/>
+      </p:nvGrpSpPr>
+      <p:grpSpPr>
+        <a:xfrm>
+          <a:off x="0" y="0"/>
+          <a:ext cx="0" cy="0"/>
+          <a:chOff x="0" y="0"/>
+          <a:chExt cx="0" cy="0"/>
+        </a:xfrm>
+      </p:grpSpPr>
+      <p:sp>
+        <p:nvSpPr>
+          <p:cNvPr id="164" name="Google Shape;164;p4:notes"/>
+          <p:cNvSpPr>
+            <a:spLocks noGrp="1" noRot="1" noChangeAspect="1"/>
+          </p:cNvSpPr>
+          <p:nvPr>
+            <p:ph type="sldImg" idx="2"/>
+          </p:nvPr>
+        </p:nvSpPr>
+        <p:spPr>
+          <a:xfrm>
+            <a:off x="381000" y="685800"/>
+            <a:ext cx="6096000" cy="3429000"/>
+          </a:xfrm>
+          <a:custGeom>
+            <a:avLst/>
+            <a:gdLst/>
+            <a:ahLst/>
+            <a:cxnLst/>
+            <a:rect l="l" t="t" r="r" b="b"/>
+            <a:pathLst>
+              <a:path w="120000" h="120000" extrusionOk="0">
+                <a:moveTo>
+                  <a:pt x="0" y="0"/>
+                </a:moveTo>
+                <a:lnTo>
+                  <a:pt x="120000" y="0"/>
+                </a:lnTo>
+                <a:lnTo>
+                  <a:pt x="120000" y="120000"/>
+                </a:lnTo>
+                <a:lnTo>
+                  <a:pt x="0" y="120000"/>
+                </a:lnTo>
+                <a:close/>
+              </a:path>
+            </a:pathLst>
+          </a:custGeom>
+          <a:noFill/>
+          <a:ln w="9525" cap="flat" cmpd="sng">
+            <a:solidFill>
+              <a:srgbClr val="000000"/>
+            </a:solidFill>
+            <a:prstDash val="solid"/>
+            <a:round/>
+            <a:headEnd type="none" w="sm" len="sm"/>
+            <a:tailEnd type="none" w="sm" len="sm"/>
+          </a:ln>
+        </p:spPr>
+      </p:sp>
+      <p:sp>
+        <p:nvSpPr>
+          <p:cNvPr id="165" name="Google Shape;165;p4:notes"/>
+          <p:cNvSpPr txBox="1">
+            <a:spLocks noGrp="1"/>
+          </p:cNvSpPr>
+          <p:nvPr>
+            <p:ph type="body" idx="1"/>
+          </p:nvPr>
+        </p:nvSpPr>
+        <p:spPr>
+          <a:xfrm>
+            <a:off x="685800" y="4343400"/>
+            <a:ext cx="5486400" cy="4114800"/>
+          </a:xfrm>
+          <a:prstGeom prst="rect">
+            <a:avLst/>
+          </a:prstGeom>
+          <a:noFill/>
+          <a:ln>
+            <a:noFill/>
+          </a:ln>
+        </p:spPr>
+        <p:txBody>
+          <a:bodyPr spcFirstLastPara="1" wrap="square" lIns="91425" tIns="91425" rIns="91425" bIns="91425" anchor="t" anchorCtr="0">
+            <a:noAutofit/>
+          </a:bodyPr>
+          <a:lstStyle/>
+          <a:p>
+            <a:pPr marL="0" lvl="0" indent="0" algn="l" rtl="0">
+              <a:lnSpc>
+                <a:spcPct val="100000"/>
+              </a:lnSpc>
+              <a:spcBef>
+                <a:spcPts val="0"/>
+              </a:spcBef>
+              <a:spcAft>
+                <a:spcPts val="0"/>
+              </a:spcAft>
+              <a:buSzPts val="1100"/>
+              <a:buNone/>
+            </a:pPr>
+            <a:endParaRPr/>
+          </a:p>
+        </p:txBody>
+      </p:sp>
+    </p:spTree>
+  </p:cSld>
+  <p:clrMapOvr>
+    <a:masterClrMapping/>
+  </p:clrMapOvr>
+</p:notes>
+</file>
+
+<file path=ppt/notesSlides/notesSlide3.xml><?xml version="1.0" encoding="utf-8"?>
+<p:notes xmlns:a="http://schemas.openxmlformats.org/drawingml/2006/main" xmlns:r="http://schemas.openxmlformats.org/officeDocument/2006/relationships" xmlns:p="http://schemas.openxmlformats.org/presentationml/2006/main" showMasterSp="0" showMasterPhAnim="0">
+  <p:cSld>
+    <p:spTree>
+      <p:nvGrpSpPr>
         <p:cNvPr id="1" name="Shape 157"/>
         <p:cNvGrpSpPr/>
         <p:nvPr/>
@@ -1620,128 +1742,6 @@
       <p:sp>
         <p:nvSpPr>
           <p:cNvPr id="159" name="Google Shape;159;p3:notes"/>
-          <p:cNvSpPr txBox="1">
-            <a:spLocks noGrp="1"/>
-          </p:cNvSpPr>
-          <p:nvPr>
-            <p:ph type="body" idx="1"/>
-          </p:nvPr>
-        </p:nvSpPr>
-        <p:spPr>
-          <a:xfrm>
-            <a:off x="685800" y="4343400"/>
-            <a:ext cx="5486400" cy="4114800"/>
-          </a:xfrm>
-          <a:prstGeom prst="rect">
-            <a:avLst/>
-          </a:prstGeom>
-          <a:noFill/>
-          <a:ln>
-            <a:noFill/>
-          </a:ln>
-        </p:spPr>
-        <p:txBody>
-          <a:bodyPr spcFirstLastPara="1" wrap="square" lIns="91425" tIns="91425" rIns="91425" bIns="91425" anchor="t" anchorCtr="0">
-            <a:noAutofit/>
-          </a:bodyPr>
-          <a:lstStyle/>
-          <a:p>
-            <a:pPr marL="0" lvl="0" indent="0" algn="l" rtl="0">
-              <a:lnSpc>
-                <a:spcPct val="100000"/>
-              </a:lnSpc>
-              <a:spcBef>
-                <a:spcPts val="0"/>
-              </a:spcBef>
-              <a:spcAft>
-                <a:spcPts val="0"/>
-              </a:spcAft>
-              <a:buSzPts val="1100"/>
-              <a:buNone/>
-            </a:pPr>
-            <a:endParaRPr/>
-          </a:p>
-        </p:txBody>
-      </p:sp>
-    </p:spTree>
-  </p:cSld>
-  <p:clrMapOvr>
-    <a:masterClrMapping/>
-  </p:clrMapOvr>
-</p:notes>
-</file>
-
-<file path=ppt/notesSlides/notesSlide3.xml><?xml version="1.0" encoding="utf-8"?>
-<p:notes xmlns:a="http://schemas.openxmlformats.org/drawingml/2006/main" xmlns:r="http://schemas.openxmlformats.org/officeDocument/2006/relationships" xmlns:p="http://schemas.openxmlformats.org/presentationml/2006/main" showMasterSp="0" showMasterPhAnim="0">
-  <p:cSld>
-    <p:spTree>
-      <p:nvGrpSpPr>
-        <p:cNvPr id="1" name="Shape 163"/>
-        <p:cNvGrpSpPr/>
-        <p:nvPr/>
-      </p:nvGrpSpPr>
-      <p:grpSpPr>
-        <a:xfrm>
-          <a:off x="0" y="0"/>
-          <a:ext cx="0" cy="0"/>
-          <a:chOff x="0" y="0"/>
-          <a:chExt cx="0" cy="0"/>
-        </a:xfrm>
-      </p:grpSpPr>
-      <p:sp>
-        <p:nvSpPr>
-          <p:cNvPr id="164" name="Google Shape;164;p4:notes"/>
-          <p:cNvSpPr>
-            <a:spLocks noGrp="1" noRot="1" noChangeAspect="1"/>
-          </p:cNvSpPr>
-          <p:nvPr>
-            <p:ph type="sldImg" idx="2"/>
-          </p:nvPr>
-        </p:nvSpPr>
-        <p:spPr>
-          <a:xfrm>
-            <a:off x="381000" y="685800"/>
-            <a:ext cx="6096000" cy="3429000"/>
-          </a:xfrm>
-          <a:custGeom>
-            <a:avLst/>
-            <a:gdLst/>
-            <a:ahLst/>
-            <a:cxnLst/>
-            <a:rect l="l" t="t" r="r" b="b"/>
-            <a:pathLst>
-              <a:path w="120000" h="120000" extrusionOk="0">
-                <a:moveTo>
-                  <a:pt x="0" y="0"/>
-                </a:moveTo>
-                <a:lnTo>
-                  <a:pt x="120000" y="0"/>
-                </a:lnTo>
-                <a:lnTo>
-                  <a:pt x="120000" y="120000"/>
-                </a:lnTo>
-                <a:lnTo>
-                  <a:pt x="0" y="120000"/>
-                </a:lnTo>
-                <a:close/>
-              </a:path>
-            </a:pathLst>
-          </a:custGeom>
-          <a:noFill/>
-          <a:ln w="9525" cap="flat" cmpd="sng">
-            <a:solidFill>
-              <a:srgbClr val="000000"/>
-            </a:solidFill>
-            <a:prstDash val="solid"/>
-            <a:round/>
-            <a:headEnd type="none" w="sm" len="sm"/>
-            <a:tailEnd type="none" w="sm" len="sm"/>
-          </a:ln>
-        </p:spPr>
-      </p:sp>
-      <p:sp>
-        <p:nvSpPr>
-          <p:cNvPr id="165" name="Google Shape;165;p4:notes"/>
           <p:cNvSpPr txBox="1">
             <a:spLocks noGrp="1"/>
           </p:cNvSpPr>
@@ -20208,10 +20208,10 @@
               <a:buNone/>
             </a:pPr>
             <a:r>
-              <a:rPr lang="ja" sz="2800"/>
+              <a:rPr lang="ja" sz="2800" dirty="0"/>
               <a:t>8. S+の計算量の比較</a:t>
             </a:r>
-            <a:endParaRPr sz="2800"/>
+            <a:endParaRPr sz="2800" dirty="0"/>
           </a:p>
         </p:txBody>
       </p:sp>
@@ -20262,10 +20262,10 @@
               <a:buChar char="►"/>
             </a:pPr>
             <a:r>
-              <a:rPr lang="ja"/>
+              <a:rPr lang="ja" dirty="0"/>
               <a:t> </a:t>
             </a:r>
-            <a:endParaRPr/>
+            <a:endParaRPr dirty="0"/>
           </a:p>
         </p:txBody>
       </p:sp>
@@ -20754,10 +20754,10 @@
               <a:buNone/>
             </a:pPr>
             <a:r>
-              <a:rPr lang="ja" sz="1800"/>
+              <a:rPr lang="ja" sz="1800" dirty="0"/>
               <a:t>・KEGを導入することで、結び目をPC上で扱えるようにした</a:t>
             </a:r>
-            <a:endParaRPr sz="1800"/>
+            <a:endParaRPr sz="1800" dirty="0"/>
           </a:p>
           <a:p>
             <a:pPr marL="0" lvl="0" indent="0" algn="l" rtl="0">
@@ -20771,14 +20771,14 @@
               <a:buNone/>
             </a:pPr>
             <a:r>
-              <a:rPr lang="ja" sz="1800">
+              <a:rPr lang="ja" sz="1800" dirty="0">
                 <a:solidFill>
                   <a:srgbClr val="FF0000"/>
                 </a:solidFill>
               </a:rPr>
               <a:t>[手計算 ⇒ プログラム]</a:t>
             </a:r>
-            <a:endParaRPr sz="1800">
+            <a:endParaRPr sz="1800" dirty="0">
               <a:solidFill>
                 <a:srgbClr val="FF0000"/>
               </a:solidFill>
@@ -20796,10 +20796,10 @@
               <a:buNone/>
             </a:pPr>
             <a:r>
-              <a:rPr lang="ja" sz="1800"/>
+              <a:rPr lang="ja" sz="1800" dirty="0"/>
               <a:t>・KEGに対する高速なアルゴリズムを考案し、S+の計算量を飛躍的に改善した</a:t>
             </a:r>
-            <a:endParaRPr sz="1800"/>
+            <a:endParaRPr sz="1800" dirty="0"/>
           </a:p>
           <a:p>
             <a:pPr marL="0" lvl="0" indent="0" algn="l" rtl="0">
@@ -20813,14 +20813,14 @@
               <a:buNone/>
             </a:pPr>
             <a:r>
-              <a:rPr lang="ja" sz="1800">
+              <a:rPr lang="ja" sz="1800" dirty="0">
                 <a:solidFill>
                   <a:srgbClr val="FF0000"/>
                 </a:solidFill>
               </a:rPr>
               <a:t>[C(K)=3 ⇒ 100000]</a:t>
             </a:r>
-            <a:endParaRPr sz="1800">
+            <a:endParaRPr sz="1800" dirty="0">
               <a:solidFill>
                 <a:srgbClr val="FF0000"/>
               </a:solidFill>
@@ -20838,10 +20838,10 @@
               <a:buNone/>
             </a:pPr>
             <a:r>
-              <a:rPr lang="ja" sz="1800"/>
-              <a:t>[本年度の成果]</a:t>
+              <a:rPr lang="ja" sz="1800" dirty="0"/>
+              <a:t>・S+のアルゴリズムについて数学的な方面から正当性を証明した</a:t>
             </a:r>
-            <a:endParaRPr sz="1800"/>
+            <a:endParaRPr sz="1800" dirty="0"/>
           </a:p>
           <a:p>
             <a:pPr marL="0" lvl="0" indent="0" algn="l" rtl="0">
@@ -20849,33 +20849,12 @@
                 <a:spcPts val="1200"/>
               </a:spcBef>
               <a:spcAft>
-                <a:spcPts val="0"/>
+                <a:spcPts val="1200"/>
               </a:spcAft>
               <a:buSzPts val="1800"/>
               <a:buNone/>
             </a:pPr>
-            <a:r>
-              <a:rPr lang="ja" sz="1800"/>
-              <a:t>・S+のアルゴリズムについて数学的な方面から正当性を証明した</a:t>
-            </a:r>
-            <a:endParaRPr sz="1800"/>
-          </a:p>
-          <a:p>
-            <a:pPr marL="0" lvl="0" indent="0" algn="l" rtl="0">
-              <a:spcBef>
-                <a:spcPts val="1200"/>
-              </a:spcBef>
-              <a:spcAft>
-                <a:spcPts val="1200"/>
-              </a:spcAft>
-              <a:buSzPts val="1800"/>
-              <a:buNone/>
-            </a:pPr>
-            <a:r>
-              <a:rPr lang="ja" sz="1800"/>
-              <a:t>・Pythonでアルゴリズムを実装し、動作を確認した</a:t>
-            </a:r>
-            <a:endParaRPr sz="1800"/>
+            <a:endParaRPr sz="1800" dirty="0"/>
           </a:p>
         </p:txBody>
       </p:sp>
@@ -20888,6 +20867,203 @@
 </file>
 
 <file path=ppt/slides/slide2.xml><?xml version="1.0" encoding="utf-8"?>
+<p:sld xmlns:a="http://schemas.openxmlformats.org/drawingml/2006/main" xmlns:r="http://schemas.openxmlformats.org/officeDocument/2006/relationships" xmlns:p="http://schemas.openxmlformats.org/presentationml/2006/main">
+  <p:cSld>
+    <p:spTree>
+      <p:nvGrpSpPr>
+        <p:cNvPr id="1" name="Shape 166"/>
+        <p:cNvGrpSpPr/>
+        <p:nvPr/>
+      </p:nvGrpSpPr>
+      <p:grpSpPr>
+        <a:xfrm>
+          <a:off x="0" y="0"/>
+          <a:ext cx="0" cy="0"/>
+          <a:chOff x="0" y="0"/>
+          <a:chExt cx="0" cy="0"/>
+        </a:xfrm>
+      </p:grpSpPr>
+      <p:sp>
+        <p:nvSpPr>
+          <p:cNvPr id="167" name="Google Shape;167;p4"/>
+          <p:cNvSpPr txBox="1">
+            <a:spLocks noGrp="1"/>
+          </p:cNvSpPr>
+          <p:nvPr>
+            <p:ph type="title"/>
+          </p:nvPr>
+        </p:nvSpPr>
+        <p:spPr>
+          <a:xfrm>
+            <a:off x="508001" y="457200"/>
+            <a:ext cx="6447600" cy="990675"/>
+          </a:xfrm>
+          <a:prstGeom prst="rect">
+            <a:avLst/>
+          </a:prstGeom>
+          <a:noFill/>
+          <a:ln>
+            <a:noFill/>
+          </a:ln>
+        </p:spPr>
+        <p:txBody>
+          <a:bodyPr spcFirstLastPara="1" wrap="square" lIns="68550" tIns="34275" rIns="68550" bIns="34275" anchor="t" anchorCtr="0">
+            <a:normAutofit/>
+          </a:bodyPr>
+          <a:lstStyle/>
+          <a:p>
+            <a:pPr marL="0" lvl="0" indent="0" algn="l" rtl="0">
+              <a:spcBef>
+                <a:spcPts val="0"/>
+              </a:spcBef>
+              <a:spcAft>
+                <a:spcPts val="0"/>
+              </a:spcAft>
+              <a:buClr>
+                <a:schemeClr val="accent1"/>
+              </a:buClr>
+              <a:buSzPts val="2800"/>
+              <a:buFont typeface="Trebuchet MS"/>
+              <a:buNone/>
+            </a:pPr>
+            <a:r>
+              <a:rPr lang="ja" altLang="ja-JP" sz="2800" dirty="0"/>
+              <a:t>本研究の位置づけと</a:t>
+            </a:r>
+            <a:br>
+              <a:rPr lang="en-US" altLang="ja" sz="2800" dirty="0"/>
+            </a:br>
+            <a:r>
+              <a:rPr lang="ja" sz="2800" dirty="0"/>
+              <a:t>応用例</a:t>
+            </a:r>
+            <a:r>
+              <a:rPr lang="en-US" altLang="ja" sz="2800" dirty="0"/>
+              <a:t>1</a:t>
+            </a:r>
+            <a:r>
+              <a:rPr lang="ja" sz="2800" dirty="0"/>
+              <a:t>：粒子の軌道解析</a:t>
+            </a:r>
+            <a:endParaRPr sz="2800" dirty="0"/>
+          </a:p>
+        </p:txBody>
+      </p:sp>
+      <p:sp>
+        <p:nvSpPr>
+          <p:cNvPr id="168" name="Google Shape;168;p4"/>
+          <p:cNvSpPr txBox="1">
+            <a:spLocks noGrp="1"/>
+          </p:cNvSpPr>
+          <p:nvPr>
+            <p:ph type="body" idx="1"/>
+          </p:nvPr>
+        </p:nvSpPr>
+        <p:spPr>
+          <a:xfrm>
+            <a:off x="507993" y="1447875"/>
+            <a:ext cx="7055550" cy="2910600"/>
+          </a:xfrm>
+          <a:prstGeom prst="rect">
+            <a:avLst/>
+          </a:prstGeom>
+          <a:noFill/>
+          <a:ln>
+            <a:noFill/>
+          </a:ln>
+        </p:spPr>
+        <p:txBody>
+          <a:bodyPr spcFirstLastPara="1" wrap="square" lIns="68550" tIns="34275" rIns="68550" bIns="34275" anchor="t" anchorCtr="0">
+            <a:normAutofit/>
+          </a:bodyPr>
+          <a:lstStyle/>
+          <a:p>
+            <a:pPr marL="0" lvl="0" indent="0" algn="l" rtl="0">
+              <a:spcBef>
+                <a:spcPts val="750"/>
+              </a:spcBef>
+              <a:spcAft>
+                <a:spcPts val="0"/>
+              </a:spcAft>
+              <a:buSzPts val="1440"/>
+              <a:buNone/>
+            </a:pPr>
+            <a:r>
+              <a:rPr lang="ja" sz="1800" dirty="0"/>
+              <a:t>目的：空間内の粒子の軌道解析</a:t>
+            </a:r>
+            <a:endParaRPr sz="1800" dirty="0"/>
+          </a:p>
+          <a:p>
+            <a:pPr marL="0" lvl="0" indent="0" algn="l" rtl="0">
+              <a:spcBef>
+                <a:spcPts val="750"/>
+              </a:spcBef>
+              <a:spcAft>
+                <a:spcPts val="0"/>
+              </a:spcAft>
+              <a:buSzPts val="1440"/>
+              <a:buNone/>
+            </a:pPr>
+            <a:endParaRPr sz="1800" dirty="0"/>
+          </a:p>
+          <a:p>
+            <a:pPr marL="0" lvl="0" indent="0" algn="l" rtl="0">
+              <a:spcBef>
+                <a:spcPts val="750"/>
+              </a:spcBef>
+              <a:spcAft>
+                <a:spcPts val="0"/>
+              </a:spcAft>
+              <a:buSzPts val="1440"/>
+              <a:buNone/>
+            </a:pPr>
+            <a:r>
+              <a:rPr lang="ja" sz="1800" dirty="0"/>
+              <a:t>空間を移動する粒子の軌道は紐と対応しているため、結び目のクロスキャップ数を計算することで粒子の軌道が計算できる。医療工学、材料工学など他分野に応用できる。</a:t>
+            </a:r>
+            <a:endParaRPr sz="1800" dirty="0"/>
+          </a:p>
+          <a:p>
+            <a:pPr marL="0" lvl="0" indent="0" algn="l" rtl="0">
+              <a:spcBef>
+                <a:spcPts val="750"/>
+              </a:spcBef>
+              <a:spcAft>
+                <a:spcPts val="0"/>
+              </a:spcAft>
+              <a:buSzPts val="1440"/>
+              <a:buNone/>
+            </a:pPr>
+            <a:r>
+              <a:rPr lang="ja" sz="1800" dirty="0"/>
+              <a:t>→複雑な軌道を高速に計算するために</a:t>
+            </a:r>
+            <a:r>
+              <a:rPr lang="ja" sz="1800" dirty="0">
+                <a:solidFill>
+                  <a:srgbClr val="FF0000"/>
+                </a:solidFill>
+              </a:rPr>
+              <a:t>クロスキャップ数</a:t>
+            </a:r>
+            <a:r>
+              <a:rPr lang="ja" sz="1800" dirty="0"/>
+              <a:t>を求める。</a:t>
+            </a:r>
+            <a:endParaRPr sz="1800" dirty="0"/>
+          </a:p>
+        </p:txBody>
+      </p:sp>
+    </p:spTree>
+  </p:cSld>
+  <p:clrMapOvr>
+    <a:masterClrMapping/>
+  </p:clrMapOvr>
+</p:sld>
+</file>
+
+<file path=ppt/slides/slide3.xml><?xml version="1.0" encoding="utf-8"?>
 <p:sld xmlns:a="http://schemas.openxmlformats.org/drawingml/2006/main" xmlns:r="http://schemas.openxmlformats.org/officeDocument/2006/relationships" xmlns:p="http://schemas.openxmlformats.org/presentationml/2006/main">
   <p:cSld>
     <p:spTree>
@@ -20970,7 +21146,15 @@
             </a:pPr>
             <a:r>
               <a:rPr lang="ja" sz="2800" dirty="0"/>
-              <a:t>応用例1：量子誤り訂正</a:t>
+              <a:t>応用例</a:t>
+            </a:r>
+            <a:r>
+              <a:rPr lang="en-US" altLang="ja" sz="2800" dirty="0"/>
+              <a:t>2</a:t>
+            </a:r>
+            <a:r>
+              <a:rPr lang="ja" sz="2800" dirty="0"/>
+              <a:t>：量子誤り訂正</a:t>
             </a:r>
             <a:endParaRPr sz="2800" dirty="0"/>
           </a:p>
@@ -20988,7 +21172,7 @@
         </p:nvSpPr>
         <p:spPr>
           <a:xfrm>
-            <a:off x="507993" y="1599225"/>
+            <a:off x="508001" y="1426650"/>
             <a:ext cx="7107300" cy="2910600"/>
           </a:xfrm>
           <a:prstGeom prst="rect">
@@ -21017,7 +21201,15 @@
             </a:pPr>
             <a:r>
               <a:rPr lang="ja" sz="1800" dirty="0"/>
-              <a:t>目的：量子計算におけるエラー検出(</a:t>
+              <a:t>目的：</a:t>
+            </a:r>
+            <a:r>
+              <a:rPr lang="ja-JP" altLang="en-US" sz="1800" dirty="0"/>
+              <a:t>トポロジカル</a:t>
+            </a:r>
+            <a:r>
+              <a:rPr lang="ja" sz="1800" dirty="0"/>
+              <a:t>量子計算におけるエラー検出(</a:t>
             </a:r>
             <a:r>
               <a:rPr lang="ja" sz="1800" dirty="0">
@@ -21029,7 +21221,7 @@
             </a:r>
             <a:r>
               <a:rPr lang="ja" sz="1800" dirty="0"/>
-              <a:t>)の性能評価</a:t>
+              <a:t>)</a:t>
             </a:r>
             <a:endParaRPr sz="1800" dirty="0"/>
           </a:p>
@@ -21044,7 +21236,7 @@
               <a:buSzPts val="1440"/>
               <a:buNone/>
             </a:pPr>
-            <a:endParaRPr sz="1800" dirty="0"/>
+            <a:endParaRPr lang="en-US" sz="1800" dirty="0"/>
           </a:p>
           <a:p>
             <a:pPr marL="0" lvl="0" indent="0" algn="l" rtl="0">
@@ -21058,10 +21250,10 @@
               <a:buNone/>
             </a:pPr>
             <a:r>
-              <a:rPr lang="ja" sz="1800" dirty="0"/>
-              <a:t>量子計算を安全かつ正確に行うには必須の量子誤り訂正という手法があり、その性能の評価を数学的な方面からできるようにしたい。</a:t>
+              <a:rPr lang="ja-JP" altLang="en-US" sz="1800" dirty="0"/>
+              <a:t>量子ビットの基本演算を結び目を絡まらせる操作に対応付けると、トポロジカルに安定になる。</a:t>
             </a:r>
-            <a:endParaRPr sz="1800" dirty="0"/>
+            <a:endParaRPr lang="en-US" altLang="ja-JP" sz="1800" dirty="0"/>
           </a:p>
           <a:p>
             <a:pPr marL="0" lvl="0" indent="0" algn="l" rtl="0">
@@ -21075,204 +21267,22 @@
               <a:buNone/>
             </a:pPr>
             <a:r>
-              <a:rPr lang="ja" sz="1800" dirty="0"/>
-              <a:t>→「</a:t>
+              <a:rPr lang="ja-JP" altLang="en-US" sz="1800" dirty="0"/>
+              <a:t>→結び目の</a:t>
             </a:r>
             <a:r>
-              <a:rPr lang="ja" sz="1800" dirty="0">
+              <a:rPr lang="ja-JP" altLang="en-US" sz="1800" dirty="0">
                 <a:solidFill>
                   <a:srgbClr val="FF0000"/>
                 </a:solidFill>
               </a:rPr>
-              <a:t>結び目のクロスキャップ数</a:t>
+              <a:t>同値性</a:t>
             </a:r>
             <a:r>
-              <a:rPr lang="ja" sz="1800" dirty="0"/>
-              <a:t>」というものを用いて計算できる</a:t>
+              <a:rPr lang="ja-JP" altLang="en-US" sz="1800" dirty="0"/>
+              <a:t>や、結び目に対する操作が応用できる</a:t>
             </a:r>
-            <a:endParaRPr sz="1800" dirty="0"/>
-          </a:p>
-        </p:txBody>
-      </p:sp>
-    </p:spTree>
-  </p:cSld>
-  <p:clrMapOvr>
-    <a:masterClrMapping/>
-  </p:clrMapOvr>
-</p:sld>
-</file>
-
-<file path=ppt/slides/slide3.xml><?xml version="1.0" encoding="utf-8"?>
-<p:sld xmlns:a="http://schemas.openxmlformats.org/drawingml/2006/main" xmlns:r="http://schemas.openxmlformats.org/officeDocument/2006/relationships" xmlns:p="http://schemas.openxmlformats.org/presentationml/2006/main">
-  <p:cSld>
-    <p:spTree>
-      <p:nvGrpSpPr>
-        <p:cNvPr id="1" name="Shape 166"/>
-        <p:cNvGrpSpPr/>
-        <p:nvPr/>
-      </p:nvGrpSpPr>
-      <p:grpSpPr>
-        <a:xfrm>
-          <a:off x="0" y="0"/>
-          <a:ext cx="0" cy="0"/>
-          <a:chOff x="0" y="0"/>
-          <a:chExt cx="0" cy="0"/>
-        </a:xfrm>
-      </p:grpSpPr>
-      <p:sp>
-        <p:nvSpPr>
-          <p:cNvPr id="167" name="Google Shape;167;p4"/>
-          <p:cNvSpPr txBox="1">
-            <a:spLocks noGrp="1"/>
-          </p:cNvSpPr>
-          <p:nvPr>
-            <p:ph type="title"/>
-          </p:nvPr>
-        </p:nvSpPr>
-        <p:spPr>
-          <a:xfrm>
-            <a:off x="508001" y="457200"/>
-            <a:ext cx="6447600" cy="990675"/>
-          </a:xfrm>
-          <a:prstGeom prst="rect">
-            <a:avLst/>
-          </a:prstGeom>
-          <a:noFill/>
-          <a:ln>
-            <a:noFill/>
-          </a:ln>
-        </p:spPr>
-        <p:txBody>
-          <a:bodyPr spcFirstLastPara="1" wrap="square" lIns="68550" tIns="34275" rIns="68550" bIns="34275" anchor="t" anchorCtr="0">
-            <a:normAutofit/>
-          </a:bodyPr>
-          <a:lstStyle/>
-          <a:p>
-            <a:pPr marL="0" lvl="0" indent="0" algn="l" rtl="0">
-              <a:spcBef>
-                <a:spcPts val="0"/>
-              </a:spcBef>
-              <a:spcAft>
-                <a:spcPts val="0"/>
-              </a:spcAft>
-              <a:buClr>
-                <a:schemeClr val="accent1"/>
-              </a:buClr>
-              <a:buSzPts val="2800"/>
-              <a:buFont typeface="Trebuchet MS"/>
-              <a:buNone/>
-            </a:pPr>
-            <a:r>
-              <a:rPr lang="ja" sz="2800"/>
-              <a:t>応用例2：粒子の軌道解析</a:t>
-            </a:r>
-            <a:endParaRPr sz="2800"/>
-          </a:p>
-        </p:txBody>
-      </p:sp>
-      <p:sp>
-        <p:nvSpPr>
-          <p:cNvPr id="168" name="Google Shape;168;p4"/>
-          <p:cNvSpPr txBox="1">
-            <a:spLocks noGrp="1"/>
-          </p:cNvSpPr>
-          <p:nvPr>
-            <p:ph type="body" idx="1"/>
-          </p:nvPr>
-        </p:nvSpPr>
-        <p:spPr>
-          <a:xfrm>
-            <a:off x="507993" y="1447875"/>
-            <a:ext cx="7055550" cy="2910600"/>
-          </a:xfrm>
-          <a:prstGeom prst="rect">
-            <a:avLst/>
-          </a:prstGeom>
-          <a:noFill/>
-          <a:ln>
-            <a:noFill/>
-          </a:ln>
-        </p:spPr>
-        <p:txBody>
-          <a:bodyPr spcFirstLastPara="1" wrap="square" lIns="68550" tIns="34275" rIns="68550" bIns="34275" anchor="t" anchorCtr="0">
-            <a:normAutofit/>
-          </a:bodyPr>
-          <a:lstStyle/>
-          <a:p>
-            <a:pPr marL="0" lvl="0" indent="0" algn="l" rtl="0">
-              <a:spcBef>
-                <a:spcPts val="750"/>
-              </a:spcBef>
-              <a:spcAft>
-                <a:spcPts val="0"/>
-              </a:spcAft>
-              <a:buSzPts val="1440"/>
-              <a:buNone/>
-            </a:pPr>
-            <a:r>
-              <a:rPr lang="ja" sz="1800"/>
-              <a:t>目的：空間内の粒子の軌道解析</a:t>
-            </a:r>
-            <a:endParaRPr sz="1800"/>
-          </a:p>
-          <a:p>
-            <a:pPr marL="0" lvl="0" indent="0" algn="l" rtl="0">
-              <a:spcBef>
-                <a:spcPts val="750"/>
-              </a:spcBef>
-              <a:spcAft>
-                <a:spcPts val="0"/>
-              </a:spcAft>
-              <a:buSzPts val="1440"/>
-              <a:buNone/>
-            </a:pPr>
-            <a:endParaRPr sz="1800"/>
-          </a:p>
-          <a:p>
-            <a:pPr marL="0" lvl="0" indent="0" algn="l" rtl="0">
-              <a:spcBef>
-                <a:spcPts val="750"/>
-              </a:spcBef>
-              <a:spcAft>
-                <a:spcPts val="0"/>
-              </a:spcAft>
-              <a:buSzPts val="1440"/>
-              <a:buNone/>
-            </a:pPr>
-            <a:r>
-              <a:rPr lang="ja" sz="1800"/>
-              <a:t>空間を移動する粒子の軌道は紐と対応しているため、結び目のクロスキャップ数を計算することで粒子の軌道が計算できる。医療工学、材料工学など他分野に応用できる。</a:t>
-            </a:r>
-            <a:endParaRPr sz="1800"/>
-          </a:p>
-          <a:p>
-            <a:pPr marL="0" lvl="0" indent="0" algn="l" rtl="0">
-              <a:spcBef>
-                <a:spcPts val="750"/>
-              </a:spcBef>
-              <a:spcAft>
-                <a:spcPts val="0"/>
-              </a:spcAft>
-              <a:buSzPts val="1440"/>
-              <a:buNone/>
-            </a:pPr>
-            <a:r>
-              <a:rPr lang="ja" sz="1800"/>
-              <a:t>→複雑な軌道を高速に計算するために</a:t>
-            </a:r>
-            <a:r>
-              <a:rPr lang="ja" sz="1800">
-                <a:solidFill>
-                  <a:srgbClr val="FF0000"/>
-                </a:solidFill>
-              </a:rPr>
-              <a:t>クロスキャップ数</a:t>
-            </a:r>
-            <a:r>
-              <a:rPr lang="ja" sz="1800"/>
-              <a:t>を求める。</a:t>
-            </a:r>
-            <a:endParaRPr sz="1800"/>
+            <a:endParaRPr lang="en-US" altLang="ja-JP" sz="1800" dirty="0"/>
           </a:p>
         </p:txBody>
       </p:sp>
